--- a/data/structure_pow_param_acc.pptx
+++ b/data/structure_pow_param_acc.pptx
@@ -3431,7 +3431,7 @@
           <a:p>
             <a:fld id="{3E6E3E1B-22D9-458D-BB32-35AFBBB2836D}" type="datetimeFigureOut">
               <a:rPr lang="zh-CN" altLang="en-US" smtClean="0"/>
-              <a:t>2024/7/21</a:t>
+              <a:t>2024-12-02</a:t>
             </a:fld>
             <a:endParaRPr lang="zh-CN" altLang="en-US"/>
           </a:p>
@@ -3629,7 +3629,7 @@
           <a:p>
             <a:fld id="{3E6E3E1B-22D9-458D-BB32-35AFBBB2836D}" type="datetimeFigureOut">
               <a:rPr lang="zh-CN" altLang="en-US" smtClean="0"/>
-              <a:t>2024/7/21</a:t>
+              <a:t>2024-12-02</a:t>
             </a:fld>
             <a:endParaRPr lang="zh-CN" altLang="en-US"/>
           </a:p>
@@ -3837,7 +3837,7 @@
           <a:p>
             <a:fld id="{3E6E3E1B-22D9-458D-BB32-35AFBBB2836D}" type="datetimeFigureOut">
               <a:rPr lang="zh-CN" altLang="en-US" smtClean="0"/>
-              <a:t>2024/7/21</a:t>
+              <a:t>2024-12-02</a:t>
             </a:fld>
             <a:endParaRPr lang="zh-CN" altLang="en-US"/>
           </a:p>
@@ -4035,7 +4035,7 @@
           <a:p>
             <a:fld id="{3E6E3E1B-22D9-458D-BB32-35AFBBB2836D}" type="datetimeFigureOut">
               <a:rPr lang="zh-CN" altLang="en-US" smtClean="0"/>
-              <a:t>2024/7/21</a:t>
+              <a:t>2024-12-02</a:t>
             </a:fld>
             <a:endParaRPr lang="zh-CN" altLang="en-US"/>
           </a:p>
@@ -4310,7 +4310,7 @@
           <a:p>
             <a:fld id="{3E6E3E1B-22D9-458D-BB32-35AFBBB2836D}" type="datetimeFigureOut">
               <a:rPr lang="zh-CN" altLang="en-US" smtClean="0"/>
-              <a:t>2024/7/21</a:t>
+              <a:t>2024-12-02</a:t>
             </a:fld>
             <a:endParaRPr lang="zh-CN" altLang="en-US"/>
           </a:p>
@@ -4575,7 +4575,7 @@
           <a:p>
             <a:fld id="{3E6E3E1B-22D9-458D-BB32-35AFBBB2836D}" type="datetimeFigureOut">
               <a:rPr lang="zh-CN" altLang="en-US" smtClean="0"/>
-              <a:t>2024/7/21</a:t>
+              <a:t>2024-12-02</a:t>
             </a:fld>
             <a:endParaRPr lang="zh-CN" altLang="en-US"/>
           </a:p>
@@ -4987,7 +4987,7 @@
           <a:p>
             <a:fld id="{3E6E3E1B-22D9-458D-BB32-35AFBBB2836D}" type="datetimeFigureOut">
               <a:rPr lang="zh-CN" altLang="en-US" smtClean="0"/>
-              <a:t>2024/7/21</a:t>
+              <a:t>2024-12-02</a:t>
             </a:fld>
             <a:endParaRPr lang="zh-CN" altLang="en-US"/>
           </a:p>
@@ -5128,7 +5128,7 @@
           <a:p>
             <a:fld id="{3E6E3E1B-22D9-458D-BB32-35AFBBB2836D}" type="datetimeFigureOut">
               <a:rPr lang="zh-CN" altLang="en-US" smtClean="0"/>
-              <a:t>2024/7/21</a:t>
+              <a:t>2024-12-02</a:t>
             </a:fld>
             <a:endParaRPr lang="zh-CN" altLang="en-US"/>
           </a:p>
@@ -5241,7 +5241,7 @@
           <a:p>
             <a:fld id="{3E6E3E1B-22D9-458D-BB32-35AFBBB2836D}" type="datetimeFigureOut">
               <a:rPr lang="zh-CN" altLang="en-US" smtClean="0"/>
-              <a:t>2024/7/21</a:t>
+              <a:t>2024-12-02</a:t>
             </a:fld>
             <a:endParaRPr lang="zh-CN" altLang="en-US"/>
           </a:p>
@@ -5552,7 +5552,7 @@
           <a:p>
             <a:fld id="{3E6E3E1B-22D9-458D-BB32-35AFBBB2836D}" type="datetimeFigureOut">
               <a:rPr lang="zh-CN" altLang="en-US" smtClean="0"/>
-              <a:t>2024/7/21</a:t>
+              <a:t>2024-12-02</a:t>
             </a:fld>
             <a:endParaRPr lang="zh-CN" altLang="en-US"/>
           </a:p>
@@ -5840,7 +5840,7 @@
           <a:p>
             <a:fld id="{3E6E3E1B-22D9-458D-BB32-35AFBBB2836D}" type="datetimeFigureOut">
               <a:rPr lang="zh-CN" altLang="en-US" smtClean="0"/>
-              <a:t>2024/7/21</a:t>
+              <a:t>2024-12-02</a:t>
             </a:fld>
             <a:endParaRPr lang="zh-CN" altLang="en-US"/>
           </a:p>
@@ -6081,7 +6081,7 @@
           <a:p>
             <a:fld id="{3E6E3E1B-22D9-458D-BB32-35AFBBB2836D}" type="datetimeFigureOut">
               <a:rPr lang="zh-CN" altLang="en-US" smtClean="0"/>
-              <a:t>2024/7/21</a:t>
+              <a:t>2024-12-02</a:t>
             </a:fld>
             <a:endParaRPr lang="zh-CN" altLang="en-US"/>
           </a:p>
@@ -7534,8 +7534,8 @@
           </p:txBody>
         </p:sp>
       </p:grpSp>
-      <mc:AlternateContent xmlns:mc="http://schemas.openxmlformats.org/markup-compatibility/2006">
-        <mc:Choice xmlns:a14="http://schemas.microsoft.com/office/drawing/2010/main" Requires="a14">
+      <mc:AlternateContent xmlns:mc="http://schemas.openxmlformats.org/markup-compatibility/2006" xmlns:a14="http://schemas.microsoft.com/office/drawing/2010/main">
+        <mc:Choice Requires="a14">
           <p:sp>
             <p:nvSpPr>
               <p:cNvPr id="28" name="文本框 27">
@@ -7614,7 +7614,7 @@
             </p:txBody>
           </p:sp>
         </mc:Choice>
-        <mc:Fallback>
+        <mc:Fallback xmlns="">
           <p:sp>
             <p:nvSpPr>
               <p:cNvPr id="28" name="文本框 27">
@@ -7711,8 +7711,8 @@
           </a:p>
         </p:txBody>
       </p:sp>
-      <mc:AlternateContent xmlns:mc="http://schemas.openxmlformats.org/markup-compatibility/2006">
-        <mc:Choice xmlns:a14="http://schemas.microsoft.com/office/drawing/2010/main" Requires="a14">
+      <mc:AlternateContent xmlns:mc="http://schemas.openxmlformats.org/markup-compatibility/2006" xmlns:a14="http://schemas.microsoft.com/office/drawing/2010/main">
+        <mc:Choice Requires="a14">
           <p:sp>
             <p:nvSpPr>
               <p:cNvPr id="30" name="文本框 29">
@@ -7784,7 +7784,7 @@
             </p:txBody>
           </p:sp>
         </mc:Choice>
-        <mc:Fallback>
+        <mc:Fallback xmlns="">
           <p:sp>
             <p:nvSpPr>
               <p:cNvPr id="30" name="文本框 29">
